--- a/Login and Homepage Diagrams.pptx
+++ b/Login and Homepage Diagrams.pptx
@@ -5,12 +5,10 @@
     <p:sldMasterId id="2147483660" r:id="rId1"/>
   </p:sldMasterIdLst>
   <p:notesMasterIdLst>
-    <p:notesMasterId r:id="rId5"/>
+    <p:notesMasterId r:id="rId3"/>
   </p:notesMasterIdLst>
   <p:sldIdLst>
-    <p:sldId id="257" r:id="rId2"/>
-    <p:sldId id="258" r:id="rId3"/>
-    <p:sldId id="256" r:id="rId4"/>
+    <p:sldId id="256" r:id="rId2"/>
   </p:sldIdLst>
   <p:sldSz cx="9144000" cy="6858000" type="screen4x3"/>
   <p:notesSz cx="6858000" cy="9144000"/>
@@ -109,12 +107,17 @@
       </a:defRPr>
     </a:lvl9pPr>
   </p:defaultTextStyle>
+  <p:extLst>
+    <p:ext uri="{EFAFB233-063F-42B5-8137-9DF3F51BA10A}">
+      <p15:sldGuideLst xmlns:p15="http://schemas.microsoft.com/office/powerpoint/2012/main"/>
+    </p:ext>
+  </p:extLst>
 </p:presentation>
 </file>
 
 <file path=ppt/commentAuthors.xml><?xml version="1.0" encoding="utf-8"?>
 <p:cmAuthorLst xmlns:a="http://schemas.openxmlformats.org/drawingml/2006/main" xmlns:r="http://schemas.openxmlformats.org/officeDocument/2006/relationships" xmlns:p="http://schemas.openxmlformats.org/presentationml/2006/main">
-  <p:cmAuthor id="1" name="Kevin Ferreras" initials="KF" lastIdx="3" clrIdx="0">
+  <p:cmAuthor id="1" name="Kevin Ferreras" initials="KF" lastIdx="4" clrIdx="0">
     <p:extLst>
       <p:ext uri="{19B8F6BF-5375-455C-9EA6-DF929625EA0E}">
         <p15:presenceInfo xmlns:p15="http://schemas.microsoft.com/office/powerpoint/2012/main" userId="585f8cad3ebb8842" providerId="Windows Live"/>
@@ -127,7 +130,7 @@
 <file path=ppt/comments/comment1.xml><?xml version="1.0" encoding="utf-8"?>
 <p:cmLst xmlns:a="http://schemas.openxmlformats.org/drawingml/2006/main" xmlns:r="http://schemas.openxmlformats.org/officeDocument/2006/relationships" xmlns:p="http://schemas.openxmlformats.org/presentationml/2006/main">
   <p:cm authorId="1" dt="2022-10-18T19:09:36.887" idx="2">
-    <p:pos x="5598" y="645"/>
+    <p:pos x="5563" y="2867"/>
     <p:text>These options under the user icon would appear once the user clicks on the icon, or do we make those options appear on a separate page once the user clicks on the icon?</p:text>
     <p:extLst>
       <p:ext uri="{C676402C-5697-4E1C-873F-D02D1690AC5C}">
@@ -138,6 +141,15 @@
   <p:cm authorId="1" dt="2022-10-18T22:33:35.905" idx="3">
     <p:pos x="1461" y="928"/>
     <p:text>Clicking on the user name or photo should lead to that user's profile</p:text>
+    <p:extLst>
+      <p:ext uri="{C676402C-5697-4E1C-873F-D02D1690AC5C}">
+        <p15:threadingInfo xmlns:p15="http://schemas.microsoft.com/office/powerpoint/2012/main" timeZoneBias="240"/>
+      </p:ext>
+    </p:extLst>
+  </p:cm>
+  <p:cm authorId="1" dt="2022-10-19T19:26:29.810" idx="4">
+    <p:pos x="4045" y="506"/>
+    <p:text>Should allow user to search for new Friends and Groups</p:text>
     <p:extLst>
       <p:ext uri="{C676402C-5697-4E1C-873F-D02D1690AC5C}">
         <p15:threadingInfo xmlns:p15="http://schemas.microsoft.com/office/powerpoint/2012/main" timeZoneBias="240"/>
@@ -989,7 +1001,7 @@
         <a:p>
           <a:r>
             <a:rPr lang="en-US" sz="1050" dirty="0"/>
-            <a:t>[Option 3]</a:t>
+            <a:t>Log out</a:t>
           </a:r>
         </a:p>
       </dgm:t>
@@ -1190,7 +1202,7 @@
   <dgm:whole/>
   <dgm:extLst>
     <a:ext uri="http://schemas.microsoft.com/office/drawing/2008/diagram">
-      <dsp:dataModelExt xmlns:dsp="http://schemas.microsoft.com/office/drawing/2008/diagram" relId="rId8" minVer="http://schemas.openxmlformats.org/drawingml/2006/diagram"/>
+      <dsp:dataModelExt xmlns:dsp="http://schemas.microsoft.com/office/drawing/2008/diagram" relId="rId6" minVer="http://schemas.openxmlformats.org/drawingml/2006/diagram"/>
     </a:ext>
   </dgm:extLst>
 </dgm:dataModel>
@@ -1580,7 +1592,7 @@
           </a:pPr>
           <a:r>
             <a:rPr lang="en-US" sz="1050" kern="1200" dirty="0"/>
-            <a:t>[Option 3]</a:t>
+            <a:t>Log out</a:t>
           </a:r>
         </a:p>
       </dsp:txBody>
@@ -3224,7 +3236,7 @@
           <a:p>
             <a:fld id="{2F738659-306B-4B80-9C71-042FBC8A85E8}" type="datetimeFigureOut">
               <a:rPr lang="en-US" smtClean="0"/>
-              <a:t>10/18/2022</a:t>
+              <a:t>10/19/2022</a:t>
             </a:fld>
             <a:endParaRPr lang="en-US"/>
           </a:p>
@@ -3491,90 +3503,6 @@
 </p:notesMaster>
 </file>
 
-<file path=ppt/notesSlides/notesSlide1.xml><?xml version="1.0" encoding="utf-8"?>
-<p:notes xmlns:a="http://schemas.openxmlformats.org/drawingml/2006/main" xmlns:r="http://schemas.openxmlformats.org/officeDocument/2006/relationships" xmlns:p="http://schemas.openxmlformats.org/presentationml/2006/main">
-  <p:cSld>
-    <p:spTree>
-      <p:nvGrpSpPr>
-        <p:cNvPr id="1" name=""/>
-        <p:cNvGrpSpPr/>
-        <p:nvPr/>
-      </p:nvGrpSpPr>
-      <p:grpSpPr>
-        <a:xfrm>
-          <a:off x="0" y="0"/>
-          <a:ext cx="0" cy="0"/>
-          <a:chOff x="0" y="0"/>
-          <a:chExt cx="0" cy="0"/>
-        </a:xfrm>
-      </p:grpSpPr>
-      <p:sp>
-        <p:nvSpPr>
-          <p:cNvPr id="2" name="Slide Image Placeholder 1"/>
-          <p:cNvSpPr>
-            <a:spLocks noGrp="1" noRot="1" noChangeAspect="1"/>
-          </p:cNvSpPr>
-          <p:nvPr>
-            <p:ph type="sldImg"/>
-          </p:nvPr>
-        </p:nvSpPr>
-        <p:spPr/>
-      </p:sp>
-      <p:sp>
-        <p:nvSpPr>
-          <p:cNvPr id="3" name="Notes Placeholder 2"/>
-          <p:cNvSpPr>
-            <a:spLocks noGrp="1"/>
-          </p:cNvSpPr>
-          <p:nvPr>
-            <p:ph type="body" idx="1"/>
-          </p:nvPr>
-        </p:nvSpPr>
-        <p:spPr/>
-        <p:txBody>
-          <a:bodyPr/>
-          <a:lstStyle/>
-          <a:p>
-            <a:endParaRPr lang="en-US" dirty="0"/>
-          </a:p>
-        </p:txBody>
-      </p:sp>
-      <p:sp>
-        <p:nvSpPr>
-          <p:cNvPr id="4" name="Slide Number Placeholder 3"/>
-          <p:cNvSpPr>
-            <a:spLocks noGrp="1"/>
-          </p:cNvSpPr>
-          <p:nvPr>
-            <p:ph type="sldNum" sz="quarter" idx="5"/>
-          </p:nvPr>
-        </p:nvSpPr>
-        <p:spPr/>
-        <p:txBody>
-          <a:bodyPr/>
-          <a:lstStyle/>
-          <a:p>
-            <a:fld id="{51EDB2F6-8D9E-4F2E-A775-5BC01DB2DF81}" type="slidenum">
-              <a:rPr lang="en-US" smtClean="0"/>
-              <a:t>1</a:t>
-            </a:fld>
-            <a:endParaRPr lang="en-US"/>
-          </a:p>
-        </p:txBody>
-      </p:sp>
-    </p:spTree>
-    <p:extLst>
-      <p:ext uri="{BB962C8B-B14F-4D97-AF65-F5344CB8AC3E}">
-        <p14:creationId xmlns:p14="http://schemas.microsoft.com/office/powerpoint/2010/main" val="2969460562"/>
-      </p:ext>
-    </p:extLst>
-  </p:cSld>
-  <p:clrMapOvr>
-    <a:masterClrMapping/>
-  </p:clrMapOvr>
-</p:notes>
-</file>
-
 <file path=ppt/slideLayouts/slideLayout1.xml><?xml version="1.0" encoding="utf-8"?>
 <p:sldLayout xmlns:a="http://schemas.openxmlformats.org/drawingml/2006/main" xmlns:r="http://schemas.openxmlformats.org/officeDocument/2006/relationships" xmlns:p="http://schemas.openxmlformats.org/presentationml/2006/main" type="title" preserve="1">
   <p:cSld name="Title Slide">
@@ -3706,7 +3634,7 @@
           <a:p>
             <a:fld id="{5418CC29-566E-45BC-B306-789A55D5875A}" type="datetimeFigureOut">
               <a:rPr lang="en-US" smtClean="0"/>
-              <a:t>10/18/2022</a:t>
+              <a:t>10/19/2022</a:t>
             </a:fld>
             <a:endParaRPr lang="en-US"/>
           </a:p>
@@ -3876,7 +3804,7 @@
           <a:p>
             <a:fld id="{5418CC29-566E-45BC-B306-789A55D5875A}" type="datetimeFigureOut">
               <a:rPr lang="en-US" smtClean="0"/>
-              <a:t>10/18/2022</a:t>
+              <a:t>10/19/2022</a:t>
             </a:fld>
             <a:endParaRPr lang="en-US"/>
           </a:p>
@@ -4056,7 +3984,7 @@
           <a:p>
             <a:fld id="{5418CC29-566E-45BC-B306-789A55D5875A}" type="datetimeFigureOut">
               <a:rPr lang="en-US" smtClean="0"/>
-              <a:t>10/18/2022</a:t>
+              <a:t>10/19/2022</a:t>
             </a:fld>
             <a:endParaRPr lang="en-US"/>
           </a:p>
@@ -4226,7 +4154,7 @@
           <a:p>
             <a:fld id="{5418CC29-566E-45BC-B306-789A55D5875A}" type="datetimeFigureOut">
               <a:rPr lang="en-US" smtClean="0"/>
-              <a:t>10/18/2022</a:t>
+              <a:t>10/19/2022</a:t>
             </a:fld>
             <a:endParaRPr lang="en-US"/>
           </a:p>
@@ -4470,7 +4398,7 @@
           <a:p>
             <a:fld id="{5418CC29-566E-45BC-B306-789A55D5875A}" type="datetimeFigureOut">
               <a:rPr lang="en-US" smtClean="0"/>
-              <a:t>10/18/2022</a:t>
+              <a:t>10/19/2022</a:t>
             </a:fld>
             <a:endParaRPr lang="en-US"/>
           </a:p>
@@ -4702,7 +4630,7 @@
           <a:p>
             <a:fld id="{5418CC29-566E-45BC-B306-789A55D5875A}" type="datetimeFigureOut">
               <a:rPr lang="en-US" smtClean="0"/>
-              <a:t>10/18/2022</a:t>
+              <a:t>10/19/2022</a:t>
             </a:fld>
             <a:endParaRPr lang="en-US"/>
           </a:p>
@@ -5069,7 +4997,7 @@
           <a:p>
             <a:fld id="{5418CC29-566E-45BC-B306-789A55D5875A}" type="datetimeFigureOut">
               <a:rPr lang="en-US" smtClean="0"/>
-              <a:t>10/18/2022</a:t>
+              <a:t>10/19/2022</a:t>
             </a:fld>
             <a:endParaRPr lang="en-US"/>
           </a:p>
@@ -5187,7 +5115,7 @@
           <a:p>
             <a:fld id="{5418CC29-566E-45BC-B306-789A55D5875A}" type="datetimeFigureOut">
               <a:rPr lang="en-US" smtClean="0"/>
-              <a:t>10/18/2022</a:t>
+              <a:t>10/19/2022</a:t>
             </a:fld>
             <a:endParaRPr lang="en-US"/>
           </a:p>
@@ -5282,7 +5210,7 @@
           <a:p>
             <a:fld id="{5418CC29-566E-45BC-B306-789A55D5875A}" type="datetimeFigureOut">
               <a:rPr lang="en-US" smtClean="0"/>
-              <a:t>10/18/2022</a:t>
+              <a:t>10/19/2022</a:t>
             </a:fld>
             <a:endParaRPr lang="en-US"/>
           </a:p>
@@ -5559,7 +5487,7 @@
           <a:p>
             <a:fld id="{5418CC29-566E-45BC-B306-789A55D5875A}" type="datetimeFigureOut">
               <a:rPr lang="en-US" smtClean="0"/>
-              <a:t>10/18/2022</a:t>
+              <a:t>10/19/2022</a:t>
             </a:fld>
             <a:endParaRPr lang="en-US"/>
           </a:p>
@@ -5816,7 +5744,7 @@
           <a:p>
             <a:fld id="{5418CC29-566E-45BC-B306-789A55D5875A}" type="datetimeFigureOut">
               <a:rPr lang="en-US" smtClean="0"/>
-              <a:t>10/18/2022</a:t>
+              <a:t>10/19/2022</a:t>
             </a:fld>
             <a:endParaRPr lang="en-US"/>
           </a:p>
@@ -6029,7 +5957,7 @@
           <a:p>
             <a:fld id="{5418CC29-566E-45BC-B306-789A55D5875A}" type="datetimeFigureOut">
               <a:rPr lang="en-US" smtClean="0"/>
-              <a:t>10/18/2022</a:t>
+              <a:t>10/19/2022</a:t>
             </a:fld>
             <a:endParaRPr lang="en-US"/>
           </a:p>
@@ -6436,861 +6364,6 @@
       </p:grpSpPr>
       <p:sp>
         <p:nvSpPr>
-          <p:cNvPr id="6" name="Oval 5">
-            <a:extLst>
-              <a:ext uri="{FF2B5EF4-FFF2-40B4-BE49-F238E27FC236}">
-                <a16:creationId xmlns:a16="http://schemas.microsoft.com/office/drawing/2014/main" id="{06D66E64-8947-306C-F735-C5AF6CAD58C7}"/>
-              </a:ext>
-            </a:extLst>
-          </p:cNvPr>
-          <p:cNvSpPr/>
-          <p:nvPr/>
-        </p:nvSpPr>
-        <p:spPr>
-          <a:xfrm>
-            <a:off x="3572933" y="431799"/>
-            <a:ext cx="1998133" cy="1879600"/>
-          </a:xfrm>
-          <a:prstGeom prst="ellipse">
-            <a:avLst/>
-          </a:prstGeom>
-          <a:noFill/>
-          <a:ln w="38100">
-            <a:solidFill>
-              <a:schemeClr val="tx1"/>
-            </a:solidFill>
-          </a:ln>
-        </p:spPr>
-        <p:style>
-          <a:lnRef idx="2">
-            <a:schemeClr val="accent1">
-              <a:shade val="50000"/>
-            </a:schemeClr>
-          </a:lnRef>
-          <a:fillRef idx="1">
-            <a:schemeClr val="accent1"/>
-          </a:fillRef>
-          <a:effectRef idx="0">
-            <a:schemeClr val="accent1"/>
-          </a:effectRef>
-          <a:fontRef idx="minor">
-            <a:schemeClr val="lt1"/>
-          </a:fontRef>
-        </p:style>
-        <p:txBody>
-          <a:bodyPr rtlCol="0" anchor="ctr"/>
-          <a:lstStyle/>
-          <a:p>
-            <a:pPr algn="ctr"/>
-            <a:r>
-              <a:rPr lang="en-US" sz="3000" b="1" dirty="0">
-                <a:solidFill>
-                  <a:schemeClr val="tx1"/>
-                </a:solidFill>
-              </a:rPr>
-              <a:t>Family Fitness</a:t>
-            </a:r>
-          </a:p>
-        </p:txBody>
-      </p:sp>
-      <p:sp>
-        <p:nvSpPr>
-          <p:cNvPr id="8" name="Rectangle 7">
-            <a:extLst>
-              <a:ext uri="{FF2B5EF4-FFF2-40B4-BE49-F238E27FC236}">
-                <a16:creationId xmlns:a16="http://schemas.microsoft.com/office/drawing/2014/main" id="{E31634D4-EC00-55CD-434E-5D852BA4DFD1}"/>
-              </a:ext>
-            </a:extLst>
-          </p:cNvPr>
-          <p:cNvSpPr/>
-          <p:nvPr/>
-        </p:nvSpPr>
-        <p:spPr>
-          <a:xfrm>
-            <a:off x="4084526" y="2412999"/>
-            <a:ext cx="974946" cy="477054"/>
-          </a:xfrm>
-          <a:prstGeom prst="rect">
-            <a:avLst/>
-          </a:prstGeom>
-          <a:noFill/>
-        </p:spPr>
-        <p:txBody>
-          <a:bodyPr wrap="none" lIns="91440" tIns="45720" rIns="91440" bIns="45720">
-            <a:spAutoFit/>
-            <a:scene3d>
-              <a:camera prst="orthographicFront"/>
-              <a:lightRig rig="harsh" dir="t"/>
-            </a:scene3d>
-            <a:sp3d extrusionH="57150" prstMaterial="matte">
-              <a:bevelT w="63500" h="12700" prst="angle"/>
-              <a:contourClr>
-                <a:schemeClr val="bg1">
-                  <a:lumMod val="65000"/>
-                </a:schemeClr>
-              </a:contourClr>
-            </a:sp3d>
-          </a:bodyPr>
-          <a:lstStyle/>
-          <a:p>
-            <a:pPr algn="ctr"/>
-            <a:r>
-              <a:rPr lang="en-US" sz="2500" b="1" cap="none" spc="0" dirty="0">
-                <a:ln/>
-                <a:effectLst/>
-              </a:rPr>
-              <a:t>Log In</a:t>
-            </a:r>
-          </a:p>
-        </p:txBody>
-      </p:sp>
-      <p:sp>
-        <p:nvSpPr>
-          <p:cNvPr id="9" name="Rectangle: Rounded Corners 8">
-            <a:extLst>
-              <a:ext uri="{FF2B5EF4-FFF2-40B4-BE49-F238E27FC236}">
-                <a16:creationId xmlns:a16="http://schemas.microsoft.com/office/drawing/2014/main" id="{A3592AAC-3046-0A3C-1443-D902D1448022}"/>
-              </a:ext>
-            </a:extLst>
-          </p:cNvPr>
-          <p:cNvSpPr/>
-          <p:nvPr/>
-        </p:nvSpPr>
-        <p:spPr>
-          <a:xfrm>
-            <a:off x="3403599" y="3412067"/>
-            <a:ext cx="2336800" cy="338668"/>
-          </a:xfrm>
-          <a:prstGeom prst="roundRect">
-            <a:avLst/>
-          </a:prstGeom>
-          <a:noFill/>
-          <a:ln>
-            <a:solidFill>
-              <a:schemeClr val="tx1"/>
-            </a:solidFill>
-          </a:ln>
-        </p:spPr>
-        <p:style>
-          <a:lnRef idx="2">
-            <a:schemeClr val="accent1">
-              <a:shade val="50000"/>
-            </a:schemeClr>
-          </a:lnRef>
-          <a:fillRef idx="1">
-            <a:schemeClr val="accent1"/>
-          </a:fillRef>
-          <a:effectRef idx="0">
-            <a:schemeClr val="accent1"/>
-          </a:effectRef>
-          <a:fontRef idx="minor">
-            <a:schemeClr val="lt1"/>
-          </a:fontRef>
-        </p:style>
-        <p:txBody>
-          <a:bodyPr rtlCol="0" anchor="ctr"/>
-          <a:lstStyle/>
-          <a:p>
-            <a:pPr algn="ctr"/>
-            <a:endParaRPr lang="en-US"/>
-          </a:p>
-        </p:txBody>
-      </p:sp>
-      <p:sp>
-        <p:nvSpPr>
-          <p:cNvPr id="10" name="Rectangle: Rounded Corners 9">
-            <a:extLst>
-              <a:ext uri="{FF2B5EF4-FFF2-40B4-BE49-F238E27FC236}">
-                <a16:creationId xmlns:a16="http://schemas.microsoft.com/office/drawing/2014/main" id="{B93F9CA5-145C-3790-94C4-BEFF657D5F24}"/>
-              </a:ext>
-            </a:extLst>
-          </p:cNvPr>
-          <p:cNvSpPr/>
-          <p:nvPr/>
-        </p:nvSpPr>
-        <p:spPr>
-          <a:xfrm>
-            <a:off x="3403599" y="4224867"/>
-            <a:ext cx="2336800" cy="338668"/>
-          </a:xfrm>
-          <a:prstGeom prst="roundRect">
-            <a:avLst/>
-          </a:prstGeom>
-          <a:noFill/>
-          <a:ln>
-            <a:solidFill>
-              <a:schemeClr val="tx1"/>
-            </a:solidFill>
-          </a:ln>
-        </p:spPr>
-        <p:style>
-          <a:lnRef idx="2">
-            <a:schemeClr val="accent1">
-              <a:shade val="50000"/>
-            </a:schemeClr>
-          </a:lnRef>
-          <a:fillRef idx="1">
-            <a:schemeClr val="accent1"/>
-          </a:fillRef>
-          <a:effectRef idx="0">
-            <a:schemeClr val="accent1"/>
-          </a:effectRef>
-          <a:fontRef idx="minor">
-            <a:schemeClr val="lt1"/>
-          </a:fontRef>
-        </p:style>
-        <p:txBody>
-          <a:bodyPr rtlCol="0" anchor="ctr"/>
-          <a:lstStyle/>
-          <a:p>
-            <a:pPr algn="ctr"/>
-            <a:endParaRPr lang="en-US"/>
-          </a:p>
-        </p:txBody>
-      </p:sp>
-      <p:sp>
-        <p:nvSpPr>
-          <p:cNvPr id="11" name="TextBox 10">
-            <a:extLst>
-              <a:ext uri="{FF2B5EF4-FFF2-40B4-BE49-F238E27FC236}">
-                <a16:creationId xmlns:a16="http://schemas.microsoft.com/office/drawing/2014/main" id="{E9AACCD4-7626-460F-6687-48427D3B2923}"/>
-              </a:ext>
-            </a:extLst>
-          </p:cNvPr>
-          <p:cNvSpPr txBox="1"/>
-          <p:nvPr/>
-        </p:nvSpPr>
-        <p:spPr>
-          <a:xfrm>
-            <a:off x="3379476" y="3171966"/>
-            <a:ext cx="1168401" cy="276999"/>
-          </a:xfrm>
-          <a:prstGeom prst="rect">
-            <a:avLst/>
-          </a:prstGeom>
-          <a:noFill/>
-        </p:spPr>
-        <p:txBody>
-          <a:bodyPr wrap="square" rtlCol="0">
-            <a:spAutoFit/>
-          </a:bodyPr>
-          <a:lstStyle/>
-          <a:p>
-            <a:r>
-              <a:rPr lang="en-US" sz="1200" dirty="0"/>
-              <a:t>Username</a:t>
-            </a:r>
-          </a:p>
-        </p:txBody>
-      </p:sp>
-      <p:sp>
-        <p:nvSpPr>
-          <p:cNvPr id="12" name="TextBox 11">
-            <a:extLst>
-              <a:ext uri="{FF2B5EF4-FFF2-40B4-BE49-F238E27FC236}">
-                <a16:creationId xmlns:a16="http://schemas.microsoft.com/office/drawing/2014/main" id="{F27AED14-6DB0-243D-06B8-B6D8C42713DB}"/>
-              </a:ext>
-            </a:extLst>
-          </p:cNvPr>
-          <p:cNvSpPr txBox="1"/>
-          <p:nvPr/>
-        </p:nvSpPr>
-        <p:spPr>
-          <a:xfrm>
-            <a:off x="3379475" y="3947868"/>
-            <a:ext cx="1168401" cy="276999"/>
-          </a:xfrm>
-          <a:prstGeom prst="rect">
-            <a:avLst/>
-          </a:prstGeom>
-          <a:noFill/>
-        </p:spPr>
-        <p:txBody>
-          <a:bodyPr wrap="square" rtlCol="0">
-            <a:spAutoFit/>
-          </a:bodyPr>
-          <a:lstStyle/>
-          <a:p>
-            <a:r>
-              <a:rPr lang="en-US" sz="1200" dirty="0"/>
-              <a:t>Password</a:t>
-            </a:r>
-          </a:p>
-        </p:txBody>
-      </p:sp>
-      <p:sp>
-        <p:nvSpPr>
-          <p:cNvPr id="13" name="Flowchart: Terminator 12">
-            <a:extLst>
-              <a:ext uri="{FF2B5EF4-FFF2-40B4-BE49-F238E27FC236}">
-                <a16:creationId xmlns:a16="http://schemas.microsoft.com/office/drawing/2014/main" id="{56AE46D6-FBFE-F312-C142-8CFCA9ED0140}"/>
-              </a:ext>
-            </a:extLst>
-          </p:cNvPr>
-          <p:cNvSpPr/>
-          <p:nvPr/>
-        </p:nvSpPr>
-        <p:spPr>
-          <a:xfrm>
-            <a:off x="3403599" y="4919131"/>
-            <a:ext cx="2336800" cy="508001"/>
-          </a:xfrm>
-          <a:prstGeom prst="flowChartTerminator">
-            <a:avLst/>
-          </a:prstGeom>
-        </p:spPr>
-        <p:style>
-          <a:lnRef idx="1">
-            <a:schemeClr val="accent1"/>
-          </a:lnRef>
-          <a:fillRef idx="3">
-            <a:schemeClr val="accent1"/>
-          </a:fillRef>
-          <a:effectRef idx="2">
-            <a:schemeClr val="accent1"/>
-          </a:effectRef>
-          <a:fontRef idx="minor">
-            <a:schemeClr val="lt1"/>
-          </a:fontRef>
-        </p:style>
-        <p:txBody>
-          <a:bodyPr rtlCol="0" anchor="ctr"/>
-          <a:lstStyle/>
-          <a:p>
-            <a:pPr algn="ctr"/>
-            <a:r>
-              <a:rPr lang="en-US" dirty="0"/>
-              <a:t>Log In</a:t>
-            </a:r>
-          </a:p>
-        </p:txBody>
-      </p:sp>
-      <p:sp>
-        <p:nvSpPr>
-          <p:cNvPr id="14" name="Rectangle 13">
-            <a:extLst>
-              <a:ext uri="{FF2B5EF4-FFF2-40B4-BE49-F238E27FC236}">
-                <a16:creationId xmlns:a16="http://schemas.microsoft.com/office/drawing/2014/main" id="{73D47CFF-C760-B0B4-CD12-F68D158F74EF}"/>
-              </a:ext>
-            </a:extLst>
-          </p:cNvPr>
-          <p:cNvSpPr/>
-          <p:nvPr/>
-        </p:nvSpPr>
-        <p:spPr>
-          <a:xfrm>
-            <a:off x="-2145672" y="153909"/>
-            <a:ext cx="1276539" cy="878186"/>
-          </a:xfrm>
-          <a:prstGeom prst="rect">
-            <a:avLst/>
-          </a:prstGeom>
-        </p:spPr>
-        <p:style>
-          <a:lnRef idx="1">
-            <a:schemeClr val="accent4"/>
-          </a:lnRef>
-          <a:fillRef idx="2">
-            <a:schemeClr val="accent4"/>
-          </a:fillRef>
-          <a:effectRef idx="1">
-            <a:schemeClr val="accent4"/>
-          </a:effectRef>
-          <a:fontRef idx="minor">
-            <a:schemeClr val="dk1"/>
-          </a:fontRef>
-        </p:style>
-        <p:txBody>
-          <a:bodyPr rtlCol="0" anchor="ctr"/>
-          <a:lstStyle/>
-          <a:p>
-            <a:pPr algn="ctr"/>
-            <a:r>
-              <a:rPr lang="en-US" dirty="0"/>
-              <a:t>Login Page Idea #1</a:t>
-            </a:r>
-          </a:p>
-        </p:txBody>
-      </p:sp>
-      <p:sp>
-        <p:nvSpPr>
-          <p:cNvPr id="15" name="TextBox 14">
-            <a:extLst>
-              <a:ext uri="{FF2B5EF4-FFF2-40B4-BE49-F238E27FC236}">
-                <a16:creationId xmlns:a16="http://schemas.microsoft.com/office/drawing/2014/main" id="{79B7188C-89BE-847B-BE86-750D1247CACB}"/>
-              </a:ext>
-            </a:extLst>
-          </p:cNvPr>
-          <p:cNvSpPr txBox="1"/>
-          <p:nvPr/>
-        </p:nvSpPr>
-        <p:spPr>
-          <a:xfrm>
-            <a:off x="3855644" y="5521118"/>
-            <a:ext cx="1432709" cy="261610"/>
-          </a:xfrm>
-          <a:prstGeom prst="rect">
-            <a:avLst/>
-          </a:prstGeom>
-          <a:noFill/>
-        </p:spPr>
-        <p:txBody>
-          <a:bodyPr wrap="square">
-            <a:spAutoFit/>
-          </a:bodyPr>
-          <a:lstStyle/>
-          <a:p>
-            <a:pPr algn="ctr"/>
-            <a:r>
-              <a:rPr lang="en-US" sz="1100" u="sng" dirty="0">
-                <a:solidFill>
-                  <a:srgbClr val="0000FF"/>
-                </a:solidFill>
-              </a:rPr>
-              <a:t>Create New Account</a:t>
-            </a:r>
-            <a:r>
-              <a:rPr lang="en-US" sz="1100" dirty="0">
-                <a:solidFill>
-                  <a:srgbClr val="0000FF"/>
-                </a:solidFill>
-              </a:rPr>
-              <a:t> </a:t>
-            </a:r>
-            <a:endParaRPr lang="en-US" sz="1100" dirty="0"/>
-          </a:p>
-        </p:txBody>
-      </p:sp>
-    </p:spTree>
-    <p:extLst>
-      <p:ext uri="{BB962C8B-B14F-4D97-AF65-F5344CB8AC3E}">
-        <p14:creationId xmlns:p14="http://schemas.microsoft.com/office/powerpoint/2010/main" val="3547354514"/>
-      </p:ext>
-    </p:extLst>
-  </p:cSld>
-  <p:clrMapOvr>
-    <a:masterClrMapping/>
-  </p:clrMapOvr>
-</p:sld>
-</file>
-
-<file path=ppt/slides/slide2.xml><?xml version="1.0" encoding="utf-8"?>
-<p:sld xmlns:a="http://schemas.openxmlformats.org/drawingml/2006/main" xmlns:r="http://schemas.openxmlformats.org/officeDocument/2006/relationships" xmlns:p="http://schemas.openxmlformats.org/presentationml/2006/main">
-  <p:cSld>
-    <p:spTree>
-      <p:nvGrpSpPr>
-        <p:cNvPr id="1" name=""/>
-        <p:cNvGrpSpPr/>
-        <p:nvPr/>
-      </p:nvGrpSpPr>
-      <p:grpSpPr>
-        <a:xfrm>
-          <a:off x="0" y="0"/>
-          <a:ext cx="0" cy="0"/>
-          <a:chOff x="0" y="0"/>
-          <a:chExt cx="0" cy="0"/>
-        </a:xfrm>
-      </p:grpSpPr>
-      <p:sp>
-        <p:nvSpPr>
-          <p:cNvPr id="8" name="Rectangle 7">
-            <a:extLst>
-              <a:ext uri="{FF2B5EF4-FFF2-40B4-BE49-F238E27FC236}">
-                <a16:creationId xmlns:a16="http://schemas.microsoft.com/office/drawing/2014/main" id="{E31634D4-EC00-55CD-434E-5D852BA4DFD1}"/>
-              </a:ext>
-            </a:extLst>
-          </p:cNvPr>
-          <p:cNvSpPr/>
-          <p:nvPr/>
-        </p:nvSpPr>
-        <p:spPr>
-          <a:xfrm>
-            <a:off x="360981" y="211665"/>
-            <a:ext cx="2272152" cy="830997"/>
-          </a:xfrm>
-          <a:prstGeom prst="rect">
-            <a:avLst/>
-          </a:prstGeom>
-          <a:noFill/>
-        </p:spPr>
-        <p:txBody>
-          <a:bodyPr wrap="square" lIns="91440" tIns="45720" rIns="91440" bIns="45720">
-            <a:spAutoFit/>
-            <a:scene3d>
-              <a:camera prst="orthographicFront"/>
-              <a:lightRig rig="harsh" dir="t"/>
-            </a:scene3d>
-            <a:sp3d extrusionH="57150" prstMaterial="matte">
-              <a:bevelT w="63500" h="12700" prst="angle"/>
-              <a:contourClr>
-                <a:schemeClr val="bg1">
-                  <a:lumMod val="65000"/>
-                </a:schemeClr>
-              </a:contourClr>
-            </a:sp3d>
-          </a:bodyPr>
-          <a:lstStyle/>
-          <a:p>
-            <a:pPr algn="ctr"/>
-            <a:r>
-              <a:rPr lang="en-US" sz="4800" b="1" cap="none" spc="0" dirty="0">
-                <a:ln/>
-                <a:effectLst/>
-              </a:rPr>
-              <a:t>Log In</a:t>
-            </a:r>
-          </a:p>
-        </p:txBody>
-      </p:sp>
-      <p:sp>
-        <p:nvSpPr>
-          <p:cNvPr id="9" name="Rectangle: Rounded Corners 8">
-            <a:extLst>
-              <a:ext uri="{FF2B5EF4-FFF2-40B4-BE49-F238E27FC236}">
-                <a16:creationId xmlns:a16="http://schemas.microsoft.com/office/drawing/2014/main" id="{A3592AAC-3046-0A3C-1443-D902D1448022}"/>
-              </a:ext>
-            </a:extLst>
-          </p:cNvPr>
-          <p:cNvSpPr/>
-          <p:nvPr/>
-        </p:nvSpPr>
-        <p:spPr>
-          <a:xfrm>
-            <a:off x="3403600" y="1820334"/>
-            <a:ext cx="2336800" cy="338668"/>
-          </a:xfrm>
-          <a:prstGeom prst="roundRect">
-            <a:avLst/>
-          </a:prstGeom>
-          <a:noFill/>
-          <a:ln>
-            <a:solidFill>
-              <a:schemeClr val="tx1"/>
-            </a:solidFill>
-          </a:ln>
-        </p:spPr>
-        <p:style>
-          <a:lnRef idx="2">
-            <a:schemeClr val="accent1">
-              <a:shade val="50000"/>
-            </a:schemeClr>
-          </a:lnRef>
-          <a:fillRef idx="1">
-            <a:schemeClr val="accent1"/>
-          </a:fillRef>
-          <a:effectRef idx="0">
-            <a:schemeClr val="accent1"/>
-          </a:effectRef>
-          <a:fontRef idx="minor">
-            <a:schemeClr val="lt1"/>
-          </a:fontRef>
-        </p:style>
-        <p:txBody>
-          <a:bodyPr rtlCol="0" anchor="ctr"/>
-          <a:lstStyle/>
-          <a:p>
-            <a:pPr algn="ctr"/>
-            <a:endParaRPr lang="en-US"/>
-          </a:p>
-        </p:txBody>
-      </p:sp>
-      <p:sp>
-        <p:nvSpPr>
-          <p:cNvPr id="10" name="Rectangle: Rounded Corners 9">
-            <a:extLst>
-              <a:ext uri="{FF2B5EF4-FFF2-40B4-BE49-F238E27FC236}">
-                <a16:creationId xmlns:a16="http://schemas.microsoft.com/office/drawing/2014/main" id="{B93F9CA5-145C-3790-94C4-BEFF657D5F24}"/>
-              </a:ext>
-            </a:extLst>
-          </p:cNvPr>
-          <p:cNvSpPr/>
-          <p:nvPr/>
-        </p:nvSpPr>
-        <p:spPr>
-          <a:xfrm>
-            <a:off x="3403600" y="2633134"/>
-            <a:ext cx="2336800" cy="338668"/>
-          </a:xfrm>
-          <a:prstGeom prst="roundRect">
-            <a:avLst/>
-          </a:prstGeom>
-          <a:noFill/>
-          <a:ln>
-            <a:solidFill>
-              <a:schemeClr val="tx1"/>
-            </a:solidFill>
-          </a:ln>
-        </p:spPr>
-        <p:style>
-          <a:lnRef idx="2">
-            <a:schemeClr val="accent1">
-              <a:shade val="50000"/>
-            </a:schemeClr>
-          </a:lnRef>
-          <a:fillRef idx="1">
-            <a:schemeClr val="accent1"/>
-          </a:fillRef>
-          <a:effectRef idx="0">
-            <a:schemeClr val="accent1"/>
-          </a:effectRef>
-          <a:fontRef idx="minor">
-            <a:schemeClr val="lt1"/>
-          </a:fontRef>
-        </p:style>
-        <p:txBody>
-          <a:bodyPr rtlCol="0" anchor="ctr"/>
-          <a:lstStyle/>
-          <a:p>
-            <a:pPr algn="ctr"/>
-            <a:endParaRPr lang="en-US"/>
-          </a:p>
-        </p:txBody>
-      </p:sp>
-      <p:sp>
-        <p:nvSpPr>
-          <p:cNvPr id="11" name="TextBox 10">
-            <a:extLst>
-              <a:ext uri="{FF2B5EF4-FFF2-40B4-BE49-F238E27FC236}">
-                <a16:creationId xmlns:a16="http://schemas.microsoft.com/office/drawing/2014/main" id="{E9AACCD4-7626-460F-6687-48427D3B2923}"/>
-              </a:ext>
-            </a:extLst>
-          </p:cNvPr>
-          <p:cNvSpPr txBox="1"/>
-          <p:nvPr/>
-        </p:nvSpPr>
-        <p:spPr>
-          <a:xfrm>
-            <a:off x="3379477" y="1580233"/>
-            <a:ext cx="1168401" cy="276999"/>
-          </a:xfrm>
-          <a:prstGeom prst="rect">
-            <a:avLst/>
-          </a:prstGeom>
-          <a:noFill/>
-        </p:spPr>
-        <p:txBody>
-          <a:bodyPr wrap="square" rtlCol="0">
-            <a:spAutoFit/>
-          </a:bodyPr>
-          <a:lstStyle/>
-          <a:p>
-            <a:r>
-              <a:rPr lang="en-US" sz="1200" dirty="0"/>
-              <a:t>Username</a:t>
-            </a:r>
-          </a:p>
-        </p:txBody>
-      </p:sp>
-      <p:sp>
-        <p:nvSpPr>
-          <p:cNvPr id="12" name="TextBox 11">
-            <a:extLst>
-              <a:ext uri="{FF2B5EF4-FFF2-40B4-BE49-F238E27FC236}">
-                <a16:creationId xmlns:a16="http://schemas.microsoft.com/office/drawing/2014/main" id="{F27AED14-6DB0-243D-06B8-B6D8C42713DB}"/>
-              </a:ext>
-            </a:extLst>
-          </p:cNvPr>
-          <p:cNvSpPr txBox="1"/>
-          <p:nvPr/>
-        </p:nvSpPr>
-        <p:spPr>
-          <a:xfrm>
-            <a:off x="3379476" y="2356135"/>
-            <a:ext cx="1168401" cy="276999"/>
-          </a:xfrm>
-          <a:prstGeom prst="rect">
-            <a:avLst/>
-          </a:prstGeom>
-          <a:noFill/>
-        </p:spPr>
-        <p:txBody>
-          <a:bodyPr wrap="square" rtlCol="0">
-            <a:spAutoFit/>
-          </a:bodyPr>
-          <a:lstStyle/>
-          <a:p>
-            <a:r>
-              <a:rPr lang="en-US" sz="1200" dirty="0"/>
-              <a:t>Password</a:t>
-            </a:r>
-          </a:p>
-        </p:txBody>
-      </p:sp>
-      <p:sp>
-        <p:nvSpPr>
-          <p:cNvPr id="13" name="Flowchart: Terminator 12">
-            <a:extLst>
-              <a:ext uri="{FF2B5EF4-FFF2-40B4-BE49-F238E27FC236}">
-                <a16:creationId xmlns:a16="http://schemas.microsoft.com/office/drawing/2014/main" id="{56AE46D6-FBFE-F312-C142-8CFCA9ED0140}"/>
-              </a:ext>
-            </a:extLst>
-          </p:cNvPr>
-          <p:cNvSpPr/>
-          <p:nvPr/>
-        </p:nvSpPr>
-        <p:spPr>
-          <a:xfrm>
-            <a:off x="3403600" y="3327398"/>
-            <a:ext cx="2336800" cy="508001"/>
-          </a:xfrm>
-          <a:prstGeom prst="flowChartTerminator">
-            <a:avLst/>
-          </a:prstGeom>
-        </p:spPr>
-        <p:style>
-          <a:lnRef idx="1">
-            <a:schemeClr val="accent1"/>
-          </a:lnRef>
-          <a:fillRef idx="3">
-            <a:schemeClr val="accent1"/>
-          </a:fillRef>
-          <a:effectRef idx="2">
-            <a:schemeClr val="accent1"/>
-          </a:effectRef>
-          <a:fontRef idx="minor">
-            <a:schemeClr val="lt1"/>
-          </a:fontRef>
-        </p:style>
-        <p:txBody>
-          <a:bodyPr rtlCol="0" anchor="ctr"/>
-          <a:lstStyle/>
-          <a:p>
-            <a:pPr algn="ctr"/>
-            <a:r>
-              <a:rPr lang="en-US" dirty="0"/>
-              <a:t>Log In</a:t>
-            </a:r>
-          </a:p>
-        </p:txBody>
-      </p:sp>
-      <p:sp>
-        <p:nvSpPr>
-          <p:cNvPr id="2" name="Rectangle 1">
-            <a:extLst>
-              <a:ext uri="{FF2B5EF4-FFF2-40B4-BE49-F238E27FC236}">
-                <a16:creationId xmlns:a16="http://schemas.microsoft.com/office/drawing/2014/main" id="{7DCEEB78-5EF5-23D7-555F-547EDC9E4CFC}"/>
-              </a:ext>
-            </a:extLst>
-          </p:cNvPr>
-          <p:cNvSpPr/>
-          <p:nvPr/>
-        </p:nvSpPr>
-        <p:spPr>
-          <a:xfrm>
-            <a:off x="-2145672" y="153909"/>
-            <a:ext cx="1276539" cy="878186"/>
-          </a:xfrm>
-          <a:prstGeom prst="rect">
-            <a:avLst/>
-          </a:prstGeom>
-        </p:spPr>
-        <p:style>
-          <a:lnRef idx="1">
-            <a:schemeClr val="accent4"/>
-          </a:lnRef>
-          <a:fillRef idx="2">
-            <a:schemeClr val="accent4"/>
-          </a:fillRef>
-          <a:effectRef idx="1">
-            <a:schemeClr val="accent4"/>
-          </a:effectRef>
-          <a:fontRef idx="minor">
-            <a:schemeClr val="dk1"/>
-          </a:fontRef>
-        </p:style>
-        <p:txBody>
-          <a:bodyPr rtlCol="0" anchor="ctr"/>
-          <a:lstStyle/>
-          <a:p>
-            <a:pPr algn="ctr"/>
-            <a:r>
-              <a:rPr lang="en-US" dirty="0"/>
-              <a:t>Login Page Idea #2</a:t>
-            </a:r>
-          </a:p>
-        </p:txBody>
-      </p:sp>
-      <p:sp>
-        <p:nvSpPr>
-          <p:cNvPr id="4" name="TextBox 3">
-            <a:extLst>
-              <a:ext uri="{FF2B5EF4-FFF2-40B4-BE49-F238E27FC236}">
-                <a16:creationId xmlns:a16="http://schemas.microsoft.com/office/drawing/2014/main" id="{E8A2D31D-8527-ED5A-ABE8-88347C285E38}"/>
-              </a:ext>
-            </a:extLst>
-          </p:cNvPr>
-          <p:cNvSpPr txBox="1"/>
-          <p:nvPr/>
-        </p:nvSpPr>
-        <p:spPr>
-          <a:xfrm>
-            <a:off x="3855645" y="3929385"/>
-            <a:ext cx="1432709" cy="261610"/>
-          </a:xfrm>
-          <a:prstGeom prst="rect">
-            <a:avLst/>
-          </a:prstGeom>
-          <a:noFill/>
-        </p:spPr>
-        <p:txBody>
-          <a:bodyPr wrap="square">
-            <a:spAutoFit/>
-          </a:bodyPr>
-          <a:lstStyle/>
-          <a:p>
-            <a:pPr algn="ctr"/>
-            <a:r>
-              <a:rPr lang="en-US" sz="1100" u="sng" dirty="0">
-                <a:solidFill>
-                  <a:srgbClr val="0000FF"/>
-                </a:solidFill>
-              </a:rPr>
-              <a:t>Create New Account</a:t>
-            </a:r>
-            <a:r>
-              <a:rPr lang="en-US" sz="1100" dirty="0">
-                <a:solidFill>
-                  <a:srgbClr val="0000FF"/>
-                </a:solidFill>
-              </a:rPr>
-              <a:t> </a:t>
-            </a:r>
-            <a:endParaRPr lang="en-US" sz="1100" dirty="0"/>
-          </a:p>
-        </p:txBody>
-      </p:sp>
-    </p:spTree>
-    <p:extLst>
-      <p:ext uri="{BB962C8B-B14F-4D97-AF65-F5344CB8AC3E}">
-        <p14:creationId xmlns:p14="http://schemas.microsoft.com/office/powerpoint/2010/main" val="621837209"/>
-      </p:ext>
-    </p:extLst>
-  </p:cSld>
-  <p:clrMapOvr>
-    <a:masterClrMapping/>
-  </p:clrMapOvr>
-</p:sld>
-</file>
-
-<file path=ppt/slides/slide3.xml><?xml version="1.0" encoding="utf-8"?>
-<p:sld xmlns:a="http://schemas.openxmlformats.org/drawingml/2006/main" xmlns:r="http://schemas.openxmlformats.org/officeDocument/2006/relationships" xmlns:p="http://schemas.openxmlformats.org/presentationml/2006/main">
-  <p:cSld>
-    <p:spTree>
-      <p:nvGrpSpPr>
-        <p:cNvPr id="1" name=""/>
-        <p:cNvGrpSpPr/>
-        <p:nvPr/>
-      </p:nvGrpSpPr>
-      <p:grpSpPr>
-        <a:xfrm>
-          <a:off x="0" y="0"/>
-          <a:ext cx="0" cy="0"/>
-          <a:chOff x="0" y="0"/>
-          <a:chExt cx="0" cy="0"/>
-        </a:xfrm>
-      </p:grpSpPr>
-      <p:sp>
-        <p:nvSpPr>
           <p:cNvPr id="4" name="Rectangle 3">
             <a:extLst>
               <a:ext uri="{FF2B5EF4-FFF2-40B4-BE49-F238E27FC236}">
@@ -7342,45 +6415,6 @@
           </a:p>
         </p:txBody>
       </p:sp>
-      <p:pic>
-        <p:nvPicPr>
-          <p:cNvPr id="7" name="Picture 6">
-            <a:extLst>
-              <a:ext uri="{FF2B5EF4-FFF2-40B4-BE49-F238E27FC236}">
-                <a16:creationId xmlns:a16="http://schemas.microsoft.com/office/drawing/2014/main" id="{8D2C1CC0-D34A-F10B-434D-F7670675C1F4}"/>
-              </a:ext>
-            </a:extLst>
-          </p:cNvPr>
-          <p:cNvPicPr>
-            <a:picLocks noChangeAspect="1"/>
-          </p:cNvPicPr>
-          <p:nvPr/>
-        </p:nvPicPr>
-        <p:blipFill>
-          <a:blip r:embed="rId2">
-            <a:extLst>
-              <a:ext uri="{28A0092B-C50C-407E-A947-70E740481C1C}">
-                <a14:useLocalDpi xmlns:a14="http://schemas.microsoft.com/office/drawing/2010/main" val="0"/>
-              </a:ext>
-              <a:ext uri="{837473B0-CC2E-450A-ABE3-18F120FF3D39}">
-                <a1611:picAttrSrcUrl xmlns:a1611="http://schemas.microsoft.com/office/drawing/2016/11/main" r:id="rId3"/>
-              </a:ext>
-            </a:extLst>
-          </a:blip>
-          <a:stretch>
-            <a:fillRect/>
-          </a:stretch>
-        </p:blipFill>
-        <p:spPr>
-          <a:xfrm>
-            <a:off x="8024284" y="101601"/>
-            <a:ext cx="861774" cy="861774"/>
-          </a:xfrm>
-          <a:prstGeom prst="rect">
-            <a:avLst/>
-          </a:prstGeom>
-        </p:spPr>
-      </p:pic>
       <p:graphicFrame>
         <p:nvGraphicFramePr>
           <p:cNvPr id="8" name="Diagram 7">
@@ -7394,18 +6428,18 @@
           <p:nvPr>
             <p:extLst>
               <p:ext uri="{D42A27DB-BD31-4B8C-83A1-F6EECF244321}">
-                <p14:modId xmlns:p14="http://schemas.microsoft.com/office/powerpoint/2010/main" val="976776958"/>
+                <p14:modId xmlns:p14="http://schemas.microsoft.com/office/powerpoint/2010/main" val="2493851996"/>
               </p:ext>
             </p:extLst>
           </p:nvPr>
         </p:nvGraphicFramePr>
         <p:xfrm>
-          <a:off x="7764517" y="1024467"/>
+          <a:off x="7775398" y="4715933"/>
           <a:ext cx="1121541" cy="1143000"/>
         </p:xfrm>
         <a:graphic>
           <a:graphicData uri="http://schemas.openxmlformats.org/drawingml/2006/diagram">
-            <dgm:relIds xmlns:dgm="http://schemas.openxmlformats.org/drawingml/2006/diagram" xmlns:r="http://schemas.openxmlformats.org/officeDocument/2006/relationships" r:dm="rId4" r:lo="rId5" r:qs="rId6" r:cs="rId7"/>
+            <dgm:relIds xmlns:dgm="http://schemas.openxmlformats.org/drawingml/2006/diagram" xmlns:r="http://schemas.openxmlformats.org/officeDocument/2006/relationships" r:dm="rId2" r:lo="rId3" r:qs="rId4" r:cs="rId5"/>
           </a:graphicData>
         </a:graphic>
       </p:graphicFrame>
@@ -7536,13 +6570,13 @@
           <p:nvPr/>
         </p:nvPicPr>
         <p:blipFill>
-          <a:blip r:embed="rId9">
+          <a:blip r:embed="rId7">
             <a:extLst>
               <a:ext uri="{28A0092B-C50C-407E-A947-70E740481C1C}">
                 <a14:useLocalDpi xmlns:a14="http://schemas.microsoft.com/office/drawing/2010/main" val="0"/>
               </a:ext>
               <a:ext uri="{837473B0-CC2E-450A-ABE3-18F120FF3D39}">
-                <a1611:picAttrSrcUrl xmlns:a1611="http://schemas.microsoft.com/office/drawing/2016/11/main" r:id="rId10"/>
+                <a1611:picAttrSrcUrl xmlns:a1611="http://schemas.microsoft.com/office/drawing/2016/11/main" r:id="rId8"/>
               </a:ext>
             </a:extLst>
           </a:blip>
@@ -7684,13 +6718,13 @@
           <p:nvPr/>
         </p:nvPicPr>
         <p:blipFill>
-          <a:blip r:embed="rId9">
+          <a:blip r:embed="rId7">
             <a:extLst>
               <a:ext uri="{28A0092B-C50C-407E-A947-70E740481C1C}">
                 <a14:useLocalDpi xmlns:a14="http://schemas.microsoft.com/office/drawing/2010/main" val="0"/>
               </a:ext>
               <a:ext uri="{837473B0-CC2E-450A-ABE3-18F120FF3D39}">
-                <a1611:picAttrSrcUrl xmlns:a1611="http://schemas.microsoft.com/office/drawing/2016/11/main" r:id="rId10"/>
+                <a1611:picAttrSrcUrl xmlns:a1611="http://schemas.microsoft.com/office/drawing/2016/11/main" r:id="rId8"/>
               </a:ext>
             </a:extLst>
           </a:blip>
@@ -7835,13 +6869,13 @@
           <p:nvPr/>
         </p:nvPicPr>
         <p:blipFill>
-          <a:blip r:embed="rId9">
+          <a:blip r:embed="rId7">
             <a:extLst>
               <a:ext uri="{28A0092B-C50C-407E-A947-70E740481C1C}">
                 <a14:useLocalDpi xmlns:a14="http://schemas.microsoft.com/office/drawing/2010/main" val="0"/>
               </a:ext>
               <a:ext uri="{837473B0-CC2E-450A-ABE3-18F120FF3D39}">
-                <a1611:picAttrSrcUrl xmlns:a1611="http://schemas.microsoft.com/office/drawing/2016/11/main" r:id="rId10"/>
+                <a1611:picAttrSrcUrl xmlns:a1611="http://schemas.microsoft.com/office/drawing/2016/11/main" r:id="rId8"/>
               </a:ext>
             </a:extLst>
           </a:blip>
@@ -7861,10 +6895,308 @@
       </p:pic>
       <p:sp>
         <p:nvSpPr>
-          <p:cNvPr id="18" name="Flowchart: Terminator 17">
+          <p:cNvPr id="20" name="Flowchart: Terminator 19">
             <a:extLst>
               <a:ext uri="{FF2B5EF4-FFF2-40B4-BE49-F238E27FC236}">
-                <a16:creationId xmlns:a16="http://schemas.microsoft.com/office/drawing/2014/main" id="{B9B450AC-18ED-582F-214A-A136E528D168}"/>
+                <a16:creationId xmlns:a16="http://schemas.microsoft.com/office/drawing/2014/main" id="{E46037A4-9ED2-B819-496D-AB82C3FFB99B}"/>
+              </a:ext>
+            </a:extLst>
+          </p:cNvPr>
+          <p:cNvSpPr/>
+          <p:nvPr/>
+        </p:nvSpPr>
+        <p:spPr>
+          <a:xfrm>
+            <a:off x="2124211" y="5858933"/>
+            <a:ext cx="1608667" cy="660400"/>
+          </a:xfrm>
+          <a:prstGeom prst="flowChartTerminator">
+            <a:avLst/>
+          </a:prstGeom>
+          <a:solidFill>
+            <a:schemeClr val="accent1">
+              <a:lumMod val="20000"/>
+              <a:lumOff val="80000"/>
+            </a:schemeClr>
+          </a:solidFill>
+          <a:ln>
+            <a:solidFill>
+              <a:schemeClr val="tx1"/>
+            </a:solidFill>
+          </a:ln>
+        </p:spPr>
+        <p:style>
+          <a:lnRef idx="2">
+            <a:schemeClr val="accent1">
+              <a:shade val="50000"/>
+            </a:schemeClr>
+          </a:lnRef>
+          <a:fillRef idx="1">
+            <a:schemeClr val="accent1"/>
+          </a:fillRef>
+          <a:effectRef idx="0">
+            <a:schemeClr val="accent1"/>
+          </a:effectRef>
+          <a:fontRef idx="minor">
+            <a:schemeClr val="lt1"/>
+          </a:fontRef>
+        </p:style>
+        <p:txBody>
+          <a:bodyPr rtlCol="0" anchor="ctr"/>
+          <a:lstStyle/>
+          <a:p>
+            <a:pPr algn="ctr"/>
+            <a:r>
+              <a:rPr lang="en-US" b="1" dirty="0">
+                <a:solidFill>
+                  <a:schemeClr val="tx1"/>
+                </a:solidFill>
+              </a:rPr>
+              <a:t>Posts</a:t>
+            </a:r>
+          </a:p>
+        </p:txBody>
+      </p:sp>
+      <p:sp>
+        <p:nvSpPr>
+          <p:cNvPr id="21" name="Flowchart: Terminator 20">
+            <a:extLst>
+              <a:ext uri="{FF2B5EF4-FFF2-40B4-BE49-F238E27FC236}">
+                <a16:creationId xmlns:a16="http://schemas.microsoft.com/office/drawing/2014/main" id="{2EE53A89-3F4B-7FF9-CB93-43356F4515AB}"/>
+              </a:ext>
+            </a:extLst>
+          </p:cNvPr>
+          <p:cNvSpPr/>
+          <p:nvPr/>
+        </p:nvSpPr>
+        <p:spPr>
+          <a:xfrm>
+            <a:off x="3918933" y="5858933"/>
+            <a:ext cx="1608667" cy="660400"/>
+          </a:xfrm>
+          <a:prstGeom prst="flowChartTerminator">
+            <a:avLst/>
+          </a:prstGeom>
+          <a:solidFill>
+            <a:schemeClr val="accent1">
+              <a:lumMod val="20000"/>
+              <a:lumOff val="80000"/>
+            </a:schemeClr>
+          </a:solidFill>
+          <a:ln>
+            <a:solidFill>
+              <a:schemeClr val="tx1"/>
+            </a:solidFill>
+          </a:ln>
+        </p:spPr>
+        <p:style>
+          <a:lnRef idx="2">
+            <a:schemeClr val="accent1">
+              <a:shade val="50000"/>
+            </a:schemeClr>
+          </a:lnRef>
+          <a:fillRef idx="1">
+            <a:schemeClr val="accent1"/>
+          </a:fillRef>
+          <a:effectRef idx="0">
+            <a:schemeClr val="accent1"/>
+          </a:effectRef>
+          <a:fontRef idx="minor">
+            <a:schemeClr val="lt1"/>
+          </a:fontRef>
+        </p:style>
+        <p:txBody>
+          <a:bodyPr rtlCol="0" anchor="ctr"/>
+          <a:lstStyle/>
+          <a:p>
+            <a:pPr algn="ctr"/>
+            <a:r>
+              <a:rPr lang="en-US" b="1" dirty="0">
+                <a:solidFill>
+                  <a:schemeClr val="tx1"/>
+                </a:solidFill>
+              </a:rPr>
+              <a:t>Workouts</a:t>
+            </a:r>
+          </a:p>
+        </p:txBody>
+      </p:sp>
+      <p:sp>
+        <p:nvSpPr>
+          <p:cNvPr id="22" name="Flowchart: Terminator 21">
+            <a:extLst>
+              <a:ext uri="{FF2B5EF4-FFF2-40B4-BE49-F238E27FC236}">
+                <a16:creationId xmlns:a16="http://schemas.microsoft.com/office/drawing/2014/main" id="{88726469-B651-594F-4529-73C098207D1C}"/>
+              </a:ext>
+            </a:extLst>
+          </p:cNvPr>
+          <p:cNvSpPr/>
+          <p:nvPr/>
+        </p:nvSpPr>
+        <p:spPr>
+          <a:xfrm>
+            <a:off x="5713656" y="5858933"/>
+            <a:ext cx="1608667" cy="660400"/>
+          </a:xfrm>
+          <a:prstGeom prst="flowChartTerminator">
+            <a:avLst/>
+          </a:prstGeom>
+          <a:solidFill>
+            <a:schemeClr val="accent1">
+              <a:lumMod val="20000"/>
+              <a:lumOff val="80000"/>
+            </a:schemeClr>
+          </a:solidFill>
+          <a:ln>
+            <a:solidFill>
+              <a:schemeClr val="tx1"/>
+            </a:solidFill>
+          </a:ln>
+        </p:spPr>
+        <p:style>
+          <a:lnRef idx="2">
+            <a:schemeClr val="accent1">
+              <a:shade val="50000"/>
+            </a:schemeClr>
+          </a:lnRef>
+          <a:fillRef idx="1">
+            <a:schemeClr val="accent1"/>
+          </a:fillRef>
+          <a:effectRef idx="0">
+            <a:schemeClr val="accent1"/>
+          </a:effectRef>
+          <a:fontRef idx="minor">
+            <a:schemeClr val="lt1"/>
+          </a:fontRef>
+        </p:style>
+        <p:txBody>
+          <a:bodyPr rtlCol="0" anchor="ctr"/>
+          <a:lstStyle/>
+          <a:p>
+            <a:pPr algn="ctr"/>
+            <a:r>
+              <a:rPr lang="en-US" b="1" dirty="0">
+                <a:solidFill>
+                  <a:schemeClr val="tx1"/>
+                </a:solidFill>
+              </a:rPr>
+              <a:t>Goals</a:t>
+            </a:r>
+          </a:p>
+        </p:txBody>
+      </p:sp>
+      <p:sp>
+        <p:nvSpPr>
+          <p:cNvPr id="23" name="Rectangle 22">
+            <a:extLst>
+              <a:ext uri="{FF2B5EF4-FFF2-40B4-BE49-F238E27FC236}">
+                <a16:creationId xmlns:a16="http://schemas.microsoft.com/office/drawing/2014/main" id="{8999916D-90BD-2D13-BD23-DBCCA6C364E0}"/>
+              </a:ext>
+            </a:extLst>
+          </p:cNvPr>
+          <p:cNvSpPr/>
+          <p:nvPr/>
+        </p:nvSpPr>
+        <p:spPr>
+          <a:xfrm>
+            <a:off x="-2181886" y="333549"/>
+            <a:ext cx="1276539" cy="878186"/>
+          </a:xfrm>
+          <a:prstGeom prst="rect">
+            <a:avLst/>
+          </a:prstGeom>
+        </p:spPr>
+        <p:style>
+          <a:lnRef idx="1">
+            <a:schemeClr val="accent4"/>
+          </a:lnRef>
+          <a:fillRef idx="2">
+            <a:schemeClr val="accent4"/>
+          </a:fillRef>
+          <a:effectRef idx="1">
+            <a:schemeClr val="accent4"/>
+          </a:effectRef>
+          <a:fontRef idx="minor">
+            <a:schemeClr val="dk1"/>
+          </a:fontRef>
+        </p:style>
+        <p:txBody>
+          <a:bodyPr rtlCol="0" anchor="ctr"/>
+          <a:lstStyle/>
+          <a:p>
+            <a:pPr algn="ctr"/>
+            <a:r>
+              <a:rPr lang="en-US" dirty="0"/>
+              <a:t>Homepage</a:t>
+            </a:r>
+          </a:p>
+        </p:txBody>
+      </p:sp>
+      <p:sp>
+        <p:nvSpPr>
+          <p:cNvPr id="2" name="Flowchart: Terminator 1">
+            <a:extLst>
+              <a:ext uri="{FF2B5EF4-FFF2-40B4-BE49-F238E27FC236}">
+                <a16:creationId xmlns:a16="http://schemas.microsoft.com/office/drawing/2014/main" id="{32F23D68-710B-3806-7B1F-67D1A54548FB}"/>
+              </a:ext>
+            </a:extLst>
+          </p:cNvPr>
+          <p:cNvSpPr/>
+          <p:nvPr/>
+        </p:nvSpPr>
+        <p:spPr>
+          <a:xfrm>
+            <a:off x="2036737" y="802900"/>
+            <a:ext cx="4384726" cy="379073"/>
+          </a:xfrm>
+          <a:prstGeom prst="flowChartTerminator">
+            <a:avLst/>
+          </a:prstGeom>
+          <a:noFill/>
+          <a:ln w="19050">
+            <a:solidFill>
+              <a:schemeClr val="tx1"/>
+            </a:solidFill>
+          </a:ln>
+        </p:spPr>
+        <p:style>
+          <a:lnRef idx="2">
+            <a:schemeClr val="accent1">
+              <a:shade val="50000"/>
+            </a:schemeClr>
+          </a:lnRef>
+          <a:fillRef idx="1">
+            <a:schemeClr val="accent1"/>
+          </a:fillRef>
+          <a:effectRef idx="0">
+            <a:schemeClr val="accent1"/>
+          </a:effectRef>
+          <a:fontRef idx="minor">
+            <a:schemeClr val="lt1"/>
+          </a:fontRef>
+        </p:style>
+        <p:txBody>
+          <a:bodyPr rtlCol="0" anchor="ctr"/>
+          <a:lstStyle/>
+          <a:p>
+            <a:pPr algn="ctr"/>
+            <a:r>
+              <a:rPr lang="en-US" b="1" dirty="0">
+                <a:solidFill>
+                  <a:schemeClr val="tx1"/>
+                </a:solidFill>
+              </a:rPr>
+              <a:t>Search</a:t>
+            </a:r>
+          </a:p>
+        </p:txBody>
+      </p:sp>
+      <p:sp>
+        <p:nvSpPr>
+          <p:cNvPr id="3" name="Flowchart: Terminator 2">
+            <a:extLst>
+              <a:ext uri="{FF2B5EF4-FFF2-40B4-BE49-F238E27FC236}">
+                <a16:creationId xmlns:a16="http://schemas.microsoft.com/office/drawing/2014/main" id="{CA3506C5-E9F8-0212-C5A1-455C81A134F0}"/>
               </a:ext>
             </a:extLst>
           </p:cNvPr>
@@ -7918,314 +7250,50 @@
                   <a:schemeClr val="tx1"/>
                 </a:solidFill>
               </a:rPr>
-              <a:t>Friends</a:t>
+              <a:t>Home</a:t>
             </a:r>
           </a:p>
         </p:txBody>
       </p:sp>
-      <p:sp>
-        <p:nvSpPr>
-          <p:cNvPr id="19" name="Flowchart: Terminator 18">
+      <p:pic>
+        <p:nvPicPr>
+          <p:cNvPr id="5" name="Picture 4">
             <a:extLst>
               <a:ext uri="{FF2B5EF4-FFF2-40B4-BE49-F238E27FC236}">
-                <a16:creationId xmlns:a16="http://schemas.microsoft.com/office/drawing/2014/main" id="{C3EDDF6F-128A-DB33-A704-C0EA7A412EB9}"/>
+                <a16:creationId xmlns:a16="http://schemas.microsoft.com/office/drawing/2014/main" id="{74FD5555-FA1A-3321-B4A4-B5A9970EF7FB}"/>
               </a:ext>
             </a:extLst>
           </p:cNvPr>
-          <p:cNvSpPr/>
+          <p:cNvPicPr>
+            <a:picLocks noChangeAspect="1"/>
+          </p:cNvPicPr>
           <p:nvPr/>
-        </p:nvSpPr>
+        </p:nvPicPr>
+        <p:blipFill>
+          <a:blip r:embed="rId9">
+            <a:extLst>
+              <a:ext uri="{28A0092B-C50C-407E-A947-70E740481C1C}">
+                <a14:useLocalDpi xmlns:a14="http://schemas.microsoft.com/office/drawing/2010/main" val="0"/>
+              </a:ext>
+              <a:ext uri="{837473B0-CC2E-450A-ABE3-18F120FF3D39}">
+                <a1611:picAttrSrcUrl xmlns:a1611="http://schemas.microsoft.com/office/drawing/2016/11/main" r:id="rId10"/>
+              </a:ext>
+            </a:extLst>
+          </a:blip>
+          <a:stretch>
+            <a:fillRect/>
+          </a:stretch>
+        </p:blipFill>
         <p:spPr>
           <a:xfrm>
-            <a:off x="2031999" y="5858933"/>
-            <a:ext cx="1608667" cy="660400"/>
-          </a:xfrm>
-          <a:prstGeom prst="flowChartTerminator">
-            <a:avLst/>
-          </a:prstGeom>
-          <a:solidFill>
-            <a:schemeClr val="accent1">
-              <a:lumMod val="20000"/>
-              <a:lumOff val="80000"/>
-            </a:schemeClr>
-          </a:solidFill>
-          <a:ln>
-            <a:solidFill>
-              <a:schemeClr val="tx1"/>
-            </a:solidFill>
-          </a:ln>
-        </p:spPr>
-        <p:style>
-          <a:lnRef idx="2">
-            <a:schemeClr val="accent1">
-              <a:shade val="50000"/>
-            </a:schemeClr>
-          </a:lnRef>
-          <a:fillRef idx="1">
-            <a:schemeClr val="accent1"/>
-          </a:fillRef>
-          <a:effectRef idx="0">
-            <a:schemeClr val="accent1"/>
-          </a:effectRef>
-          <a:fontRef idx="minor">
-            <a:schemeClr val="lt1"/>
-          </a:fontRef>
-        </p:style>
-        <p:txBody>
-          <a:bodyPr rtlCol="0" anchor="ctr"/>
-          <a:lstStyle/>
-          <a:p>
-            <a:pPr algn="ctr"/>
-            <a:r>
-              <a:rPr lang="en-US" b="1" dirty="0">
-                <a:solidFill>
-                  <a:schemeClr val="tx1"/>
-                </a:solidFill>
-              </a:rPr>
-              <a:t>Groups</a:t>
-            </a:r>
-          </a:p>
-        </p:txBody>
-      </p:sp>
-      <p:sp>
-        <p:nvSpPr>
-          <p:cNvPr id="20" name="Flowchart: Terminator 19">
-            <a:extLst>
-              <a:ext uri="{FF2B5EF4-FFF2-40B4-BE49-F238E27FC236}">
-                <a16:creationId xmlns:a16="http://schemas.microsoft.com/office/drawing/2014/main" id="{E46037A4-9ED2-B819-496D-AB82C3FFB99B}"/>
-              </a:ext>
-            </a:extLst>
-          </p:cNvPr>
-          <p:cNvSpPr/>
-          <p:nvPr/>
-        </p:nvSpPr>
-        <p:spPr>
-          <a:xfrm>
-            <a:off x="3809999" y="5858933"/>
-            <a:ext cx="1608667" cy="660400"/>
-          </a:xfrm>
-          <a:prstGeom prst="flowChartTerminator">
-            <a:avLst/>
-          </a:prstGeom>
-          <a:solidFill>
-            <a:schemeClr val="accent1">
-              <a:lumMod val="20000"/>
-              <a:lumOff val="80000"/>
-            </a:schemeClr>
-          </a:solidFill>
-          <a:ln>
-            <a:solidFill>
-              <a:schemeClr val="tx1"/>
-            </a:solidFill>
-          </a:ln>
-        </p:spPr>
-        <p:style>
-          <a:lnRef idx="2">
-            <a:schemeClr val="accent1">
-              <a:shade val="50000"/>
-            </a:schemeClr>
-          </a:lnRef>
-          <a:fillRef idx="1">
-            <a:schemeClr val="accent1"/>
-          </a:fillRef>
-          <a:effectRef idx="0">
-            <a:schemeClr val="accent1"/>
-          </a:effectRef>
-          <a:fontRef idx="minor">
-            <a:schemeClr val="lt1"/>
-          </a:fontRef>
-        </p:style>
-        <p:txBody>
-          <a:bodyPr rtlCol="0" anchor="ctr"/>
-          <a:lstStyle/>
-          <a:p>
-            <a:pPr algn="ctr"/>
-            <a:r>
-              <a:rPr lang="en-US" b="1" dirty="0">
-                <a:solidFill>
-                  <a:schemeClr val="tx1"/>
-                </a:solidFill>
-              </a:rPr>
-              <a:t>Posts</a:t>
-            </a:r>
-          </a:p>
-        </p:txBody>
-      </p:sp>
-      <p:sp>
-        <p:nvSpPr>
-          <p:cNvPr id="21" name="Flowchart: Terminator 20">
-            <a:extLst>
-              <a:ext uri="{FF2B5EF4-FFF2-40B4-BE49-F238E27FC236}">
-                <a16:creationId xmlns:a16="http://schemas.microsoft.com/office/drawing/2014/main" id="{2EE53A89-3F4B-7FF9-CB93-43356F4515AB}"/>
-              </a:ext>
-            </a:extLst>
-          </p:cNvPr>
-          <p:cNvSpPr/>
-          <p:nvPr/>
-        </p:nvSpPr>
-        <p:spPr>
-          <a:xfrm>
-            <a:off x="5587999" y="5858933"/>
-            <a:ext cx="1608667" cy="660400"/>
-          </a:xfrm>
-          <a:prstGeom prst="flowChartTerminator">
-            <a:avLst/>
-          </a:prstGeom>
-          <a:solidFill>
-            <a:schemeClr val="accent1">
-              <a:lumMod val="20000"/>
-              <a:lumOff val="80000"/>
-            </a:schemeClr>
-          </a:solidFill>
-          <a:ln>
-            <a:solidFill>
-              <a:schemeClr val="tx1"/>
-            </a:solidFill>
-          </a:ln>
-        </p:spPr>
-        <p:style>
-          <a:lnRef idx="2">
-            <a:schemeClr val="accent1">
-              <a:shade val="50000"/>
-            </a:schemeClr>
-          </a:lnRef>
-          <a:fillRef idx="1">
-            <a:schemeClr val="accent1"/>
-          </a:fillRef>
-          <a:effectRef idx="0">
-            <a:schemeClr val="accent1"/>
-          </a:effectRef>
-          <a:fontRef idx="minor">
-            <a:schemeClr val="lt1"/>
-          </a:fontRef>
-        </p:style>
-        <p:txBody>
-          <a:bodyPr rtlCol="0" anchor="ctr"/>
-          <a:lstStyle/>
-          <a:p>
-            <a:pPr algn="ctr"/>
-            <a:r>
-              <a:rPr lang="en-US" b="1" dirty="0">
-                <a:solidFill>
-                  <a:schemeClr val="tx1"/>
-                </a:solidFill>
-              </a:rPr>
-              <a:t>Workouts</a:t>
-            </a:r>
-          </a:p>
-        </p:txBody>
-      </p:sp>
-      <p:sp>
-        <p:nvSpPr>
-          <p:cNvPr id="22" name="Flowchart: Terminator 21">
-            <a:extLst>
-              <a:ext uri="{FF2B5EF4-FFF2-40B4-BE49-F238E27FC236}">
-                <a16:creationId xmlns:a16="http://schemas.microsoft.com/office/drawing/2014/main" id="{88726469-B651-594F-4529-73C098207D1C}"/>
-              </a:ext>
-            </a:extLst>
-          </p:cNvPr>
-          <p:cNvSpPr/>
-          <p:nvPr/>
-        </p:nvSpPr>
-        <p:spPr>
-          <a:xfrm>
-            <a:off x="7365999" y="5858933"/>
-            <a:ext cx="1608667" cy="660400"/>
-          </a:xfrm>
-          <a:prstGeom prst="flowChartTerminator">
-            <a:avLst/>
-          </a:prstGeom>
-          <a:solidFill>
-            <a:schemeClr val="accent1">
-              <a:lumMod val="20000"/>
-              <a:lumOff val="80000"/>
-            </a:schemeClr>
-          </a:solidFill>
-          <a:ln>
-            <a:solidFill>
-              <a:schemeClr val="tx1"/>
-            </a:solidFill>
-          </a:ln>
-        </p:spPr>
-        <p:style>
-          <a:lnRef idx="2">
-            <a:schemeClr val="accent1">
-              <a:shade val="50000"/>
-            </a:schemeClr>
-          </a:lnRef>
-          <a:fillRef idx="1">
-            <a:schemeClr val="accent1"/>
-          </a:fillRef>
-          <a:effectRef idx="0">
-            <a:schemeClr val="accent1"/>
-          </a:effectRef>
-          <a:fontRef idx="minor">
-            <a:schemeClr val="lt1"/>
-          </a:fontRef>
-        </p:style>
-        <p:txBody>
-          <a:bodyPr rtlCol="0" anchor="ctr"/>
-          <a:lstStyle/>
-          <a:p>
-            <a:pPr algn="ctr"/>
-            <a:r>
-              <a:rPr lang="en-US" b="1" dirty="0">
-                <a:solidFill>
-                  <a:schemeClr val="tx1"/>
-                </a:solidFill>
-              </a:rPr>
-              <a:t>Goals</a:t>
-            </a:r>
-          </a:p>
-        </p:txBody>
-      </p:sp>
-      <p:sp>
-        <p:nvSpPr>
-          <p:cNvPr id="23" name="Rectangle 22">
-            <a:extLst>
-              <a:ext uri="{FF2B5EF4-FFF2-40B4-BE49-F238E27FC236}">
-                <a16:creationId xmlns:a16="http://schemas.microsoft.com/office/drawing/2014/main" id="{8999916D-90BD-2D13-BD23-DBCCA6C364E0}"/>
-              </a:ext>
-            </a:extLst>
-          </p:cNvPr>
-          <p:cNvSpPr/>
-          <p:nvPr/>
-        </p:nvSpPr>
-        <p:spPr>
-          <a:xfrm>
-            <a:off x="-2181886" y="333549"/>
-            <a:ext cx="1276539" cy="878186"/>
+            <a:off x="7678744" y="5758246"/>
+            <a:ext cx="861774" cy="861774"/>
           </a:xfrm>
           <a:prstGeom prst="rect">
             <a:avLst/>
           </a:prstGeom>
         </p:spPr>
-        <p:style>
-          <a:lnRef idx="1">
-            <a:schemeClr val="accent4"/>
-          </a:lnRef>
-          <a:fillRef idx="2">
-            <a:schemeClr val="accent4"/>
-          </a:fillRef>
-          <a:effectRef idx="1">
-            <a:schemeClr val="accent4"/>
-          </a:effectRef>
-          <a:fontRef idx="minor">
-            <a:schemeClr val="dk1"/>
-          </a:fontRef>
-        </p:style>
-        <p:txBody>
-          <a:bodyPr rtlCol="0" anchor="ctr"/>
-          <a:lstStyle/>
-          <a:p>
-            <a:pPr algn="ctr"/>
-            <a:r>
-              <a:rPr lang="en-US" dirty="0"/>
-              <a:t>Homepage</a:t>
-            </a:r>
-          </a:p>
-        </p:txBody>
-      </p:sp>
+      </p:pic>
     </p:spTree>
     <p:extLst>
       <p:ext uri="{BB962C8B-B14F-4D97-AF65-F5344CB8AC3E}">
